--- a/NgroxyDesign/Ngroxy.pptx
+++ b/NgroxyDesign/Ngroxy.pptx
@@ -7,9 +7,10 @@
   <p:sldIdLst>
     <p:sldId id="257" r:id="rId2"/>
     <p:sldId id="256" r:id="rId3"/>
-    <p:sldId id="260" r:id="rId4"/>
-    <p:sldId id="258" r:id="rId5"/>
-    <p:sldId id="259" r:id="rId6"/>
+    <p:sldId id="261" r:id="rId4"/>
+    <p:sldId id="260" r:id="rId5"/>
+    <p:sldId id="258" r:id="rId6"/>
+    <p:sldId id="259" r:id="rId7"/>
   </p:sldIdLst>
   <p:sldSz cx="12192000" cy="6858000"/>
   <p:notesSz cx="6858000" cy="9144000"/>
@@ -3132,104 +3133,78 @@
           <a:chExt cx="0" cy="0"/>
         </a:xfrm>
       </p:grpSpPr>
-      <p:sp>
-        <p:nvSpPr>
-          <p:cNvPr id="2" name="标题 1"/>
-          <p:cNvSpPr>
-            <a:spLocks noGrp="1"/>
-          </p:cNvSpPr>
-          <p:nvPr>
-            <p:ph type="title"/>
-          </p:nvPr>
-        </p:nvSpPr>
-        <p:spPr/>
-        <p:txBody>
-          <a:bodyPr/>
-          <a:lstStyle/>
-          <a:p>
-            <a:r>
-              <a:rPr lang="zh-CN" altLang="en-US" dirty="0" smtClean="0"/>
-              <a:t>功能</a:t>
-            </a:r>
-            <a:endParaRPr lang="zh-CN" altLang="en-US" dirty="0"/>
-          </a:p>
-        </p:txBody>
-      </p:sp>
-      <p:sp>
-        <p:nvSpPr>
-          <p:cNvPr id="3" name="内容占位符 2"/>
-          <p:cNvSpPr>
-            <a:spLocks noGrp="1"/>
-          </p:cNvSpPr>
-          <p:nvPr>
-            <p:ph idx="1"/>
-          </p:nvPr>
-        </p:nvSpPr>
-        <p:spPr/>
-        <p:txBody>
-          <a:bodyPr/>
-          <a:lstStyle/>
-          <a:p>
-            <a:endParaRPr lang="en-US" altLang="zh-CN" dirty="0" smtClean="0"/>
-          </a:p>
-          <a:p>
-            <a:r>
-              <a:rPr lang="zh-CN" altLang="en-US" dirty="0" smtClean="0"/>
-              <a:t>构建虚拟局域网（将网中的机器连在同一个局域网中，可以通过</a:t>
-            </a:r>
-            <a:r>
-              <a:rPr lang="en-US" altLang="zh-CN" dirty="0" smtClean="0"/>
-              <a:t>IP</a:t>
-            </a:r>
-            <a:r>
-              <a:rPr lang="zh-CN" altLang="en-US" dirty="0" smtClean="0"/>
-              <a:t>互访，也可访问各机器所在局域网中的资源）</a:t>
-            </a:r>
-            <a:endParaRPr lang="en-US" altLang="zh-CN" dirty="0" smtClean="0"/>
-          </a:p>
-          <a:p>
-            <a:r>
-              <a:rPr lang="zh-CN" altLang="en-US" dirty="0" smtClean="0"/>
-              <a:t>支持自定义域名解析</a:t>
-            </a:r>
-            <a:endParaRPr lang="en-US" altLang="zh-CN" dirty="0" smtClean="0"/>
-          </a:p>
-          <a:p>
-            <a:r>
-              <a:rPr lang="zh-CN" altLang="en-US" dirty="0" smtClean="0"/>
-              <a:t>自动判断是否需要进入</a:t>
-            </a:r>
-            <a:r>
-              <a:rPr lang="en-US" altLang="zh-CN" dirty="0" smtClean="0"/>
-              <a:t>Ngroxy</a:t>
-            </a:r>
-            <a:r>
-              <a:rPr lang="zh-CN" altLang="en-US" dirty="0" smtClean="0"/>
-              <a:t>虚拟网络中获取资源</a:t>
-            </a:r>
-            <a:endParaRPr lang="en-US" altLang="zh-CN" dirty="0" smtClean="0"/>
-          </a:p>
-          <a:p>
-            <a:r>
-              <a:rPr lang="zh-CN" altLang="en-US" dirty="0" smtClean="0"/>
-              <a:t>自动在</a:t>
-            </a:r>
-            <a:r>
-              <a:rPr lang="en-US" altLang="zh-CN" dirty="0" smtClean="0"/>
-              <a:t>Ngroxy</a:t>
-            </a:r>
-            <a:r>
-              <a:rPr lang="zh-CN" altLang="en-US" dirty="0" smtClean="0"/>
-              <a:t>虚拟网络中寻找最短路径</a:t>
-            </a:r>
-            <a:endParaRPr lang="zh-CN" altLang="en-US" dirty="0"/>
+      <p:pic>
+        <p:nvPicPr>
+          <p:cNvPr id="4" name="图片 3"/>
+          <p:cNvPicPr>
+            <a:picLocks noChangeAspect="1"/>
+          </p:cNvPicPr>
+          <p:nvPr/>
+        </p:nvPicPr>
+        <p:blipFill>
+          <a:blip r:embed="rId2">
+            <a:extLst>
+              <a:ext uri="{28A0092B-C50C-407E-A947-70E740481C1C}">
+                <a14:useLocalDpi xmlns:a14="http://schemas.microsoft.com/office/drawing/2010/main" val="0"/>
+              </a:ext>
+            </a:extLst>
+          </a:blip>
+          <a:stretch>
+            <a:fillRect/>
+          </a:stretch>
+        </p:blipFill>
+        <p:spPr>
+          <a:xfrm>
+            <a:off x="-267855" y="683079"/>
+            <a:ext cx="12192000" cy="6286169"/>
+          </a:xfrm>
+          <a:prstGeom prst="rect">
+            <a:avLst/>
+          </a:prstGeom>
+        </p:spPr>
+      </p:pic>
+      <p:sp>
+        <p:nvSpPr>
+          <p:cNvPr id="6" name="文本框 5"/>
+          <p:cNvSpPr txBox="1"/>
+          <p:nvPr/>
+        </p:nvSpPr>
+        <p:spPr>
+          <a:xfrm>
+            <a:off x="3731491" y="166255"/>
+            <a:ext cx="3685309" cy="523220"/>
+          </a:xfrm>
+          <a:prstGeom prst="rect">
+            <a:avLst/>
+          </a:prstGeom>
+          <a:noFill/>
+        </p:spPr>
+        <p:txBody>
+          <a:bodyPr wrap="square" rtlCol="0">
+            <a:spAutoFit/>
+          </a:bodyPr>
+          <a:lstStyle/>
+          <a:p>
+            <a:r>
+              <a:rPr lang="zh-CN" altLang="en-US" sz="2800" dirty="0" smtClean="0">
+                <a:solidFill>
+                  <a:schemeClr val="accent5"/>
+                </a:solidFill>
+              </a:rPr>
+              <a:t>虚拟局域网</a:t>
+            </a:r>
+            <a:endParaRPr lang="zh-CN" altLang="en-US" sz="2800" dirty="0">
+              <a:solidFill>
+                <a:schemeClr val="accent5"/>
+              </a:solidFill>
+            </a:endParaRPr>
           </a:p>
         </p:txBody>
       </p:sp>
     </p:spTree>
     <p:extLst>
       <p:ext uri="{BB962C8B-B14F-4D97-AF65-F5344CB8AC3E}">
-        <p14:creationId xmlns:p14="http://schemas.microsoft.com/office/powerpoint/2010/main" val="564532427"/>
+        <p14:creationId xmlns:p14="http://schemas.microsoft.com/office/powerpoint/2010/main" val="1369535578"/>
       </p:ext>
     </p:extLst>
   </p:cSld>
@@ -3273,6 +3248,130 @@
           <a:p>
             <a:r>
               <a:rPr lang="zh-CN" altLang="en-US" dirty="0" smtClean="0"/>
+              <a:t>功能</a:t>
+            </a:r>
+            <a:endParaRPr lang="zh-CN" altLang="en-US" dirty="0"/>
+          </a:p>
+        </p:txBody>
+      </p:sp>
+      <p:sp>
+        <p:nvSpPr>
+          <p:cNvPr id="3" name="内容占位符 2"/>
+          <p:cNvSpPr>
+            <a:spLocks noGrp="1"/>
+          </p:cNvSpPr>
+          <p:nvPr>
+            <p:ph idx="1"/>
+          </p:nvPr>
+        </p:nvSpPr>
+        <p:spPr/>
+        <p:txBody>
+          <a:bodyPr/>
+          <a:lstStyle/>
+          <a:p>
+            <a:endParaRPr lang="en-US" altLang="zh-CN" dirty="0" smtClean="0"/>
+          </a:p>
+          <a:p>
+            <a:r>
+              <a:rPr lang="zh-CN" altLang="en-US" dirty="0" smtClean="0"/>
+              <a:t>构建虚拟局域网（将网中的机器连在同一个局域网中，可以通过</a:t>
+            </a:r>
+            <a:r>
+              <a:rPr lang="en-US" altLang="zh-CN" dirty="0" smtClean="0"/>
+              <a:t>IP</a:t>
+            </a:r>
+            <a:r>
+              <a:rPr lang="zh-CN" altLang="en-US" dirty="0" smtClean="0"/>
+              <a:t>互访，也可访问各机器所在局域网中的资源）</a:t>
+            </a:r>
+            <a:endParaRPr lang="en-US" altLang="zh-CN" dirty="0" smtClean="0"/>
+          </a:p>
+          <a:p>
+            <a:r>
+              <a:rPr lang="zh-CN" altLang="en-US" dirty="0" smtClean="0"/>
+              <a:t>支持自定义域名解析</a:t>
+            </a:r>
+            <a:endParaRPr lang="en-US" altLang="zh-CN" dirty="0" smtClean="0"/>
+          </a:p>
+          <a:p>
+            <a:r>
+              <a:rPr lang="zh-CN" altLang="en-US" dirty="0" smtClean="0"/>
+              <a:t>自动判断是否需要进入</a:t>
+            </a:r>
+            <a:r>
+              <a:rPr lang="en-US" altLang="zh-CN" dirty="0" smtClean="0"/>
+              <a:t>Ngroxy</a:t>
+            </a:r>
+            <a:r>
+              <a:rPr lang="zh-CN" altLang="en-US" dirty="0" smtClean="0"/>
+              <a:t>虚拟网络中获取资源</a:t>
+            </a:r>
+            <a:endParaRPr lang="en-US" altLang="zh-CN" dirty="0" smtClean="0"/>
+          </a:p>
+          <a:p>
+            <a:r>
+              <a:rPr lang="zh-CN" altLang="en-US" dirty="0" smtClean="0"/>
+              <a:t>自动在</a:t>
+            </a:r>
+            <a:r>
+              <a:rPr lang="en-US" altLang="zh-CN" dirty="0" smtClean="0"/>
+              <a:t>Ngroxy</a:t>
+            </a:r>
+            <a:r>
+              <a:rPr lang="zh-CN" altLang="en-US" dirty="0" smtClean="0"/>
+              <a:t>虚拟网络中寻找最短路径</a:t>
+            </a:r>
+            <a:endParaRPr lang="zh-CN" altLang="en-US" dirty="0"/>
+          </a:p>
+        </p:txBody>
+      </p:sp>
+    </p:spTree>
+    <p:extLst>
+      <p:ext uri="{BB962C8B-B14F-4D97-AF65-F5344CB8AC3E}">
+        <p14:creationId xmlns:p14="http://schemas.microsoft.com/office/powerpoint/2010/main" val="564532427"/>
+      </p:ext>
+    </p:extLst>
+  </p:cSld>
+  <p:clrMapOvr>
+    <a:masterClrMapping/>
+  </p:clrMapOvr>
+</p:sld>
+</file>
+
+<file path=ppt/slides/slide5.xml><?xml version="1.0" encoding="utf-8"?>
+<p:sld xmlns:a="http://schemas.openxmlformats.org/drawingml/2006/main" xmlns:r="http://schemas.openxmlformats.org/officeDocument/2006/relationships" xmlns:p="http://schemas.openxmlformats.org/presentationml/2006/main">
+  <p:cSld>
+    <p:spTree>
+      <p:nvGrpSpPr>
+        <p:cNvPr id="1" name=""/>
+        <p:cNvGrpSpPr/>
+        <p:nvPr/>
+      </p:nvGrpSpPr>
+      <p:grpSpPr>
+        <a:xfrm>
+          <a:off x="0" y="0"/>
+          <a:ext cx="0" cy="0"/>
+          <a:chOff x="0" y="0"/>
+          <a:chExt cx="0" cy="0"/>
+        </a:xfrm>
+      </p:grpSpPr>
+      <p:sp>
+        <p:nvSpPr>
+          <p:cNvPr id="2" name="标题 1"/>
+          <p:cNvSpPr>
+            <a:spLocks noGrp="1"/>
+          </p:cNvSpPr>
+          <p:nvPr>
+            <p:ph type="title"/>
+          </p:nvPr>
+        </p:nvSpPr>
+        <p:spPr/>
+        <p:txBody>
+          <a:bodyPr/>
+          <a:lstStyle/>
+          <a:p>
+            <a:r>
+              <a:rPr lang="zh-CN" altLang="en-US" dirty="0" smtClean="0"/>
               <a:t>应用场景一</a:t>
             </a:r>
             <a:endParaRPr lang="zh-CN" altLang="en-US" dirty="0"/>
@@ -3327,7 +3426,7 @@
 </p:sld>
 </file>
 
-<file path=ppt/slides/slide5.xml><?xml version="1.0" encoding="utf-8"?>
+<file path=ppt/slides/slide6.xml><?xml version="1.0" encoding="utf-8"?>
 <p:sld xmlns:a="http://schemas.openxmlformats.org/drawingml/2006/main" xmlns:r="http://schemas.openxmlformats.org/officeDocument/2006/relationships" xmlns:p="http://schemas.openxmlformats.org/presentationml/2006/main">
   <p:cSld>
     <p:spTree>

--- a/NgroxyDesign/Ngroxy.pptx
+++ b/NgroxyDesign/Ngroxy.pptx
@@ -7,10 +7,11 @@
   <p:sldIdLst>
     <p:sldId id="257" r:id="rId2"/>
     <p:sldId id="256" r:id="rId3"/>
-    <p:sldId id="261" r:id="rId4"/>
-    <p:sldId id="260" r:id="rId5"/>
-    <p:sldId id="258" r:id="rId6"/>
-    <p:sldId id="259" r:id="rId7"/>
+    <p:sldId id="262" r:id="rId4"/>
+    <p:sldId id="261" r:id="rId5"/>
+    <p:sldId id="260" r:id="rId6"/>
+    <p:sldId id="258" r:id="rId7"/>
+    <p:sldId id="259" r:id="rId8"/>
   </p:sldIdLst>
   <p:sldSz cx="12192000" cy="6858000"/>
   <p:notesSz cx="6858000" cy="9144000"/>
@@ -159,10 +160,9 @@
           </a:lstStyle>
           <a:p>
             <a:r>
-              <a:rPr lang="zh-CN" altLang="en-US" smtClean="0"/>
+              <a:rPr lang="zh-CN" altLang="en-US"/>
               <a:t>单击此处编辑母版标题样式</a:t>
             </a:r>
-            <a:endParaRPr lang="zh-CN" altLang="en-US"/>
           </a:p>
         </p:txBody>
       </p:sp>
@@ -224,10 +224,9 @@
           </a:lstStyle>
           <a:p>
             <a:r>
-              <a:rPr lang="zh-CN" altLang="en-US" smtClean="0"/>
+              <a:rPr lang="zh-CN" altLang="en-US"/>
               <a:t>单击以编辑母版副标题样式</a:t>
             </a:r>
-            <a:endParaRPr lang="zh-CN" altLang="en-US"/>
           </a:p>
         </p:txBody>
       </p:sp>
@@ -248,7 +247,7 @@
           <a:p>
             <a:fld id="{146CC52A-1D27-4895-904E-9193509FAB99}" type="datetimeFigureOut">
               <a:rPr lang="zh-CN" altLang="en-US" smtClean="0"/>
-              <a:t>2017/3/18</a:t>
+              <a:t>2017/3/19</a:t>
             </a:fld>
             <a:endParaRPr lang="zh-CN" altLang="en-US"/>
           </a:p>
@@ -342,10 +341,9 @@
           <a:lstStyle/>
           <a:p>
             <a:r>
-              <a:rPr lang="zh-CN" altLang="en-US" smtClean="0"/>
+              <a:rPr lang="zh-CN" altLang="en-US"/>
               <a:t>单击此处编辑母版标题样式</a:t>
             </a:r>
-            <a:endParaRPr lang="zh-CN" altLang="en-US"/>
           </a:p>
         </p:txBody>
       </p:sp>
@@ -366,38 +364,37 @@
           <a:p>
             <a:pPr lvl="0"/>
             <a:r>
-              <a:rPr lang="zh-CN" altLang="en-US" smtClean="0"/>
+              <a:rPr lang="zh-CN" altLang="en-US"/>
               <a:t>编辑母版文本样式</a:t>
             </a:r>
           </a:p>
           <a:p>
             <a:pPr lvl="1"/>
             <a:r>
-              <a:rPr lang="zh-CN" altLang="en-US" smtClean="0"/>
+              <a:rPr lang="zh-CN" altLang="en-US"/>
               <a:t>第二级</a:t>
             </a:r>
           </a:p>
           <a:p>
             <a:pPr lvl="2"/>
             <a:r>
-              <a:rPr lang="zh-CN" altLang="en-US" smtClean="0"/>
+              <a:rPr lang="zh-CN" altLang="en-US"/>
               <a:t>第三级</a:t>
             </a:r>
           </a:p>
           <a:p>
             <a:pPr lvl="3"/>
             <a:r>
-              <a:rPr lang="zh-CN" altLang="en-US" smtClean="0"/>
+              <a:rPr lang="zh-CN" altLang="en-US"/>
               <a:t>第四级</a:t>
             </a:r>
           </a:p>
           <a:p>
             <a:pPr lvl="4"/>
             <a:r>
-              <a:rPr lang="zh-CN" altLang="en-US" smtClean="0"/>
+              <a:rPr lang="zh-CN" altLang="en-US"/>
               <a:t>第五级</a:t>
             </a:r>
-            <a:endParaRPr lang="zh-CN" altLang="en-US"/>
           </a:p>
         </p:txBody>
       </p:sp>
@@ -418,7 +415,7 @@
           <a:p>
             <a:fld id="{146CC52A-1D27-4895-904E-9193509FAB99}" type="datetimeFigureOut">
               <a:rPr lang="zh-CN" altLang="en-US" smtClean="0"/>
-              <a:t>2017/3/18</a:t>
+              <a:t>2017/3/19</a:t>
             </a:fld>
             <a:endParaRPr lang="zh-CN" altLang="en-US"/>
           </a:p>
@@ -517,10 +514,9 @@
           <a:lstStyle/>
           <a:p>
             <a:r>
-              <a:rPr lang="zh-CN" altLang="en-US" smtClean="0"/>
+              <a:rPr lang="zh-CN" altLang="en-US"/>
               <a:t>单击此处编辑母版标题样式</a:t>
             </a:r>
-            <a:endParaRPr lang="zh-CN" altLang="en-US"/>
           </a:p>
         </p:txBody>
       </p:sp>
@@ -546,38 +542,37 @@
           <a:p>
             <a:pPr lvl="0"/>
             <a:r>
-              <a:rPr lang="zh-CN" altLang="en-US" smtClean="0"/>
+              <a:rPr lang="zh-CN" altLang="en-US"/>
               <a:t>编辑母版文本样式</a:t>
             </a:r>
           </a:p>
           <a:p>
             <a:pPr lvl="1"/>
             <a:r>
-              <a:rPr lang="zh-CN" altLang="en-US" smtClean="0"/>
+              <a:rPr lang="zh-CN" altLang="en-US"/>
               <a:t>第二级</a:t>
             </a:r>
           </a:p>
           <a:p>
             <a:pPr lvl="2"/>
             <a:r>
-              <a:rPr lang="zh-CN" altLang="en-US" smtClean="0"/>
+              <a:rPr lang="zh-CN" altLang="en-US"/>
               <a:t>第三级</a:t>
             </a:r>
           </a:p>
           <a:p>
             <a:pPr lvl="3"/>
             <a:r>
-              <a:rPr lang="zh-CN" altLang="en-US" smtClean="0"/>
+              <a:rPr lang="zh-CN" altLang="en-US"/>
               <a:t>第四级</a:t>
             </a:r>
           </a:p>
           <a:p>
             <a:pPr lvl="4"/>
             <a:r>
-              <a:rPr lang="zh-CN" altLang="en-US" smtClean="0"/>
+              <a:rPr lang="zh-CN" altLang="en-US"/>
               <a:t>第五级</a:t>
             </a:r>
-            <a:endParaRPr lang="zh-CN" altLang="en-US"/>
           </a:p>
         </p:txBody>
       </p:sp>
@@ -598,7 +593,7 @@
           <a:p>
             <a:fld id="{146CC52A-1D27-4895-904E-9193509FAB99}" type="datetimeFigureOut">
               <a:rPr lang="zh-CN" altLang="en-US" smtClean="0"/>
-              <a:t>2017/3/18</a:t>
+              <a:t>2017/3/19</a:t>
             </a:fld>
             <a:endParaRPr lang="zh-CN" altLang="en-US"/>
           </a:p>
@@ -692,10 +687,9 @@
           <a:lstStyle/>
           <a:p>
             <a:r>
-              <a:rPr lang="zh-CN" altLang="en-US" smtClean="0"/>
+              <a:rPr lang="zh-CN" altLang="en-US"/>
               <a:t>单击此处编辑母版标题样式</a:t>
             </a:r>
-            <a:endParaRPr lang="zh-CN" altLang="en-US"/>
           </a:p>
         </p:txBody>
       </p:sp>
@@ -716,38 +710,37 @@
           <a:p>
             <a:pPr lvl="0"/>
             <a:r>
-              <a:rPr lang="zh-CN" altLang="en-US" smtClean="0"/>
+              <a:rPr lang="zh-CN" altLang="en-US"/>
               <a:t>编辑母版文本样式</a:t>
             </a:r>
           </a:p>
           <a:p>
             <a:pPr lvl="1"/>
             <a:r>
-              <a:rPr lang="zh-CN" altLang="en-US" smtClean="0"/>
+              <a:rPr lang="zh-CN" altLang="en-US"/>
               <a:t>第二级</a:t>
             </a:r>
           </a:p>
           <a:p>
             <a:pPr lvl="2"/>
             <a:r>
-              <a:rPr lang="zh-CN" altLang="en-US" smtClean="0"/>
+              <a:rPr lang="zh-CN" altLang="en-US"/>
               <a:t>第三级</a:t>
             </a:r>
           </a:p>
           <a:p>
             <a:pPr lvl="3"/>
             <a:r>
-              <a:rPr lang="zh-CN" altLang="en-US" smtClean="0"/>
+              <a:rPr lang="zh-CN" altLang="en-US"/>
               <a:t>第四级</a:t>
             </a:r>
           </a:p>
           <a:p>
             <a:pPr lvl="4"/>
             <a:r>
-              <a:rPr lang="zh-CN" altLang="en-US" smtClean="0"/>
+              <a:rPr lang="zh-CN" altLang="en-US"/>
               <a:t>第五级</a:t>
             </a:r>
-            <a:endParaRPr lang="zh-CN" altLang="en-US"/>
           </a:p>
         </p:txBody>
       </p:sp>
@@ -768,7 +761,7 @@
           <a:p>
             <a:fld id="{146CC52A-1D27-4895-904E-9193509FAB99}" type="datetimeFigureOut">
               <a:rPr lang="zh-CN" altLang="en-US" smtClean="0"/>
-              <a:t>2017/3/18</a:t>
+              <a:t>2017/3/19</a:t>
             </a:fld>
             <a:endParaRPr lang="zh-CN" altLang="en-US"/>
           </a:p>
@@ -871,10 +864,9 @@
           </a:lstStyle>
           <a:p>
             <a:r>
-              <a:rPr lang="zh-CN" altLang="en-US" smtClean="0"/>
+              <a:rPr lang="zh-CN" altLang="en-US"/>
               <a:t>单击此处编辑母版标题样式</a:t>
             </a:r>
-            <a:endParaRPr lang="zh-CN" altLang="en-US"/>
           </a:p>
         </p:txBody>
       </p:sp>
@@ -991,7 +983,7 @@
           <a:p>
             <a:pPr lvl="0"/>
             <a:r>
-              <a:rPr lang="zh-CN" altLang="en-US" smtClean="0"/>
+              <a:rPr lang="zh-CN" altLang="en-US"/>
               <a:t>编辑母版文本样式</a:t>
             </a:r>
           </a:p>
@@ -1014,7 +1006,7 @@
           <a:p>
             <a:fld id="{146CC52A-1D27-4895-904E-9193509FAB99}" type="datetimeFigureOut">
               <a:rPr lang="zh-CN" altLang="en-US" smtClean="0"/>
-              <a:t>2017/3/18</a:t>
+              <a:t>2017/3/19</a:t>
             </a:fld>
             <a:endParaRPr lang="zh-CN" altLang="en-US"/>
           </a:p>
@@ -1108,10 +1100,9 @@
           <a:lstStyle/>
           <a:p>
             <a:r>
-              <a:rPr lang="zh-CN" altLang="en-US" smtClean="0"/>
+              <a:rPr lang="zh-CN" altLang="en-US"/>
               <a:t>单击此处编辑母版标题样式</a:t>
             </a:r>
-            <a:endParaRPr lang="zh-CN" altLang="en-US"/>
           </a:p>
         </p:txBody>
       </p:sp>
@@ -1137,38 +1128,37 @@
           <a:p>
             <a:pPr lvl="0"/>
             <a:r>
-              <a:rPr lang="zh-CN" altLang="en-US" smtClean="0"/>
+              <a:rPr lang="zh-CN" altLang="en-US"/>
               <a:t>编辑母版文本样式</a:t>
             </a:r>
           </a:p>
           <a:p>
             <a:pPr lvl="1"/>
             <a:r>
-              <a:rPr lang="zh-CN" altLang="en-US" smtClean="0"/>
+              <a:rPr lang="zh-CN" altLang="en-US"/>
               <a:t>第二级</a:t>
             </a:r>
           </a:p>
           <a:p>
             <a:pPr lvl="2"/>
             <a:r>
-              <a:rPr lang="zh-CN" altLang="en-US" smtClean="0"/>
+              <a:rPr lang="zh-CN" altLang="en-US"/>
               <a:t>第三级</a:t>
             </a:r>
           </a:p>
           <a:p>
             <a:pPr lvl="3"/>
             <a:r>
-              <a:rPr lang="zh-CN" altLang="en-US" smtClean="0"/>
+              <a:rPr lang="zh-CN" altLang="en-US"/>
               <a:t>第四级</a:t>
             </a:r>
           </a:p>
           <a:p>
             <a:pPr lvl="4"/>
             <a:r>
-              <a:rPr lang="zh-CN" altLang="en-US" smtClean="0"/>
+              <a:rPr lang="zh-CN" altLang="en-US"/>
               <a:t>第五级</a:t>
             </a:r>
-            <a:endParaRPr lang="zh-CN" altLang="en-US"/>
           </a:p>
         </p:txBody>
       </p:sp>
@@ -1194,38 +1184,37 @@
           <a:p>
             <a:pPr lvl="0"/>
             <a:r>
-              <a:rPr lang="zh-CN" altLang="en-US" smtClean="0"/>
+              <a:rPr lang="zh-CN" altLang="en-US"/>
               <a:t>编辑母版文本样式</a:t>
             </a:r>
           </a:p>
           <a:p>
             <a:pPr lvl="1"/>
             <a:r>
-              <a:rPr lang="zh-CN" altLang="en-US" smtClean="0"/>
+              <a:rPr lang="zh-CN" altLang="en-US"/>
               <a:t>第二级</a:t>
             </a:r>
           </a:p>
           <a:p>
             <a:pPr lvl="2"/>
             <a:r>
-              <a:rPr lang="zh-CN" altLang="en-US" smtClean="0"/>
+              <a:rPr lang="zh-CN" altLang="en-US"/>
               <a:t>第三级</a:t>
             </a:r>
           </a:p>
           <a:p>
             <a:pPr lvl="3"/>
             <a:r>
-              <a:rPr lang="zh-CN" altLang="en-US" smtClean="0"/>
+              <a:rPr lang="zh-CN" altLang="en-US"/>
               <a:t>第四级</a:t>
             </a:r>
           </a:p>
           <a:p>
             <a:pPr lvl="4"/>
             <a:r>
-              <a:rPr lang="zh-CN" altLang="en-US" smtClean="0"/>
+              <a:rPr lang="zh-CN" altLang="en-US"/>
               <a:t>第五级</a:t>
             </a:r>
-            <a:endParaRPr lang="zh-CN" altLang="en-US"/>
           </a:p>
         </p:txBody>
       </p:sp>
@@ -1246,7 +1235,7 @@
           <a:p>
             <a:fld id="{146CC52A-1D27-4895-904E-9193509FAB99}" type="datetimeFigureOut">
               <a:rPr lang="zh-CN" altLang="en-US" smtClean="0"/>
-              <a:t>2017/3/18</a:t>
+              <a:t>2017/3/19</a:t>
             </a:fld>
             <a:endParaRPr lang="zh-CN" altLang="en-US"/>
           </a:p>
@@ -1345,10 +1334,9 @@
           <a:lstStyle/>
           <a:p>
             <a:r>
-              <a:rPr lang="zh-CN" altLang="en-US" smtClean="0"/>
+              <a:rPr lang="zh-CN" altLang="en-US"/>
               <a:t>单击此处编辑母版标题样式</a:t>
             </a:r>
-            <a:endParaRPr lang="zh-CN" altLang="en-US"/>
           </a:p>
         </p:txBody>
       </p:sp>
@@ -1411,7 +1399,7 @@
           <a:p>
             <a:pPr lvl="0"/>
             <a:r>
-              <a:rPr lang="zh-CN" altLang="en-US" smtClean="0"/>
+              <a:rPr lang="zh-CN" altLang="en-US"/>
               <a:t>编辑母版文本样式</a:t>
             </a:r>
           </a:p>
@@ -1439,38 +1427,37 @@
           <a:p>
             <a:pPr lvl="0"/>
             <a:r>
-              <a:rPr lang="zh-CN" altLang="en-US" smtClean="0"/>
+              <a:rPr lang="zh-CN" altLang="en-US"/>
               <a:t>编辑母版文本样式</a:t>
             </a:r>
           </a:p>
           <a:p>
             <a:pPr lvl="1"/>
             <a:r>
-              <a:rPr lang="zh-CN" altLang="en-US" smtClean="0"/>
+              <a:rPr lang="zh-CN" altLang="en-US"/>
               <a:t>第二级</a:t>
             </a:r>
           </a:p>
           <a:p>
             <a:pPr lvl="2"/>
             <a:r>
-              <a:rPr lang="zh-CN" altLang="en-US" smtClean="0"/>
+              <a:rPr lang="zh-CN" altLang="en-US"/>
               <a:t>第三级</a:t>
             </a:r>
           </a:p>
           <a:p>
             <a:pPr lvl="3"/>
             <a:r>
-              <a:rPr lang="zh-CN" altLang="en-US" smtClean="0"/>
+              <a:rPr lang="zh-CN" altLang="en-US"/>
               <a:t>第四级</a:t>
             </a:r>
           </a:p>
           <a:p>
             <a:pPr lvl="4"/>
             <a:r>
-              <a:rPr lang="zh-CN" altLang="en-US" smtClean="0"/>
+              <a:rPr lang="zh-CN" altLang="en-US"/>
               <a:t>第五级</a:t>
             </a:r>
-            <a:endParaRPr lang="zh-CN" altLang="en-US"/>
           </a:p>
         </p:txBody>
       </p:sp>
@@ -1533,7 +1520,7 @@
           <a:p>
             <a:pPr lvl="0"/>
             <a:r>
-              <a:rPr lang="zh-CN" altLang="en-US" smtClean="0"/>
+              <a:rPr lang="zh-CN" altLang="en-US"/>
               <a:t>编辑母版文本样式</a:t>
             </a:r>
           </a:p>
@@ -1561,38 +1548,37 @@
           <a:p>
             <a:pPr lvl="0"/>
             <a:r>
-              <a:rPr lang="zh-CN" altLang="en-US" smtClean="0"/>
+              <a:rPr lang="zh-CN" altLang="en-US"/>
               <a:t>编辑母版文本样式</a:t>
             </a:r>
           </a:p>
           <a:p>
             <a:pPr lvl="1"/>
             <a:r>
-              <a:rPr lang="zh-CN" altLang="en-US" smtClean="0"/>
+              <a:rPr lang="zh-CN" altLang="en-US"/>
               <a:t>第二级</a:t>
             </a:r>
           </a:p>
           <a:p>
             <a:pPr lvl="2"/>
             <a:r>
-              <a:rPr lang="zh-CN" altLang="en-US" smtClean="0"/>
+              <a:rPr lang="zh-CN" altLang="en-US"/>
               <a:t>第三级</a:t>
             </a:r>
           </a:p>
           <a:p>
             <a:pPr lvl="3"/>
             <a:r>
-              <a:rPr lang="zh-CN" altLang="en-US" smtClean="0"/>
+              <a:rPr lang="zh-CN" altLang="en-US"/>
               <a:t>第四级</a:t>
             </a:r>
           </a:p>
           <a:p>
             <a:pPr lvl="4"/>
             <a:r>
-              <a:rPr lang="zh-CN" altLang="en-US" smtClean="0"/>
+              <a:rPr lang="zh-CN" altLang="en-US"/>
               <a:t>第五级</a:t>
             </a:r>
-            <a:endParaRPr lang="zh-CN" altLang="en-US"/>
           </a:p>
         </p:txBody>
       </p:sp>
@@ -1613,7 +1599,7 @@
           <a:p>
             <a:fld id="{146CC52A-1D27-4895-904E-9193509FAB99}" type="datetimeFigureOut">
               <a:rPr lang="zh-CN" altLang="en-US" smtClean="0"/>
-              <a:t>2017/3/18</a:t>
+              <a:t>2017/3/19</a:t>
             </a:fld>
             <a:endParaRPr lang="zh-CN" altLang="en-US"/>
           </a:p>
@@ -1707,10 +1693,9 @@
           <a:lstStyle/>
           <a:p>
             <a:r>
-              <a:rPr lang="zh-CN" altLang="en-US" smtClean="0"/>
+              <a:rPr lang="zh-CN" altLang="en-US"/>
               <a:t>单击此处编辑母版标题样式</a:t>
             </a:r>
-            <a:endParaRPr lang="zh-CN" altLang="en-US"/>
           </a:p>
         </p:txBody>
       </p:sp>
@@ -1731,7 +1716,7 @@
           <a:p>
             <a:fld id="{146CC52A-1D27-4895-904E-9193509FAB99}" type="datetimeFigureOut">
               <a:rPr lang="zh-CN" altLang="en-US" smtClean="0"/>
-              <a:t>2017/3/18</a:t>
+              <a:t>2017/3/19</a:t>
             </a:fld>
             <a:endParaRPr lang="zh-CN" altLang="en-US"/>
           </a:p>
@@ -1826,7 +1811,7 @@
           <a:p>
             <a:fld id="{146CC52A-1D27-4895-904E-9193509FAB99}" type="datetimeFigureOut">
               <a:rPr lang="zh-CN" altLang="en-US" smtClean="0"/>
-              <a:t>2017/3/18</a:t>
+              <a:t>2017/3/19</a:t>
             </a:fld>
             <a:endParaRPr lang="zh-CN" altLang="en-US"/>
           </a:p>
@@ -1929,10 +1914,9 @@
           </a:lstStyle>
           <a:p>
             <a:r>
-              <a:rPr lang="zh-CN" altLang="en-US" smtClean="0"/>
+              <a:rPr lang="zh-CN" altLang="en-US"/>
               <a:t>单击此处编辑母版标题样式</a:t>
             </a:r>
-            <a:endParaRPr lang="zh-CN" altLang="en-US"/>
           </a:p>
         </p:txBody>
       </p:sp>
@@ -1986,38 +1970,37 @@
           <a:p>
             <a:pPr lvl="0"/>
             <a:r>
-              <a:rPr lang="zh-CN" altLang="en-US" smtClean="0"/>
+              <a:rPr lang="zh-CN" altLang="en-US"/>
               <a:t>编辑母版文本样式</a:t>
             </a:r>
           </a:p>
           <a:p>
             <a:pPr lvl="1"/>
             <a:r>
-              <a:rPr lang="zh-CN" altLang="en-US" smtClean="0"/>
+              <a:rPr lang="zh-CN" altLang="en-US"/>
               <a:t>第二级</a:t>
             </a:r>
           </a:p>
           <a:p>
             <a:pPr lvl="2"/>
             <a:r>
-              <a:rPr lang="zh-CN" altLang="en-US" smtClean="0"/>
+              <a:rPr lang="zh-CN" altLang="en-US"/>
               <a:t>第三级</a:t>
             </a:r>
           </a:p>
           <a:p>
             <a:pPr lvl="3"/>
             <a:r>
-              <a:rPr lang="zh-CN" altLang="en-US" smtClean="0"/>
+              <a:rPr lang="zh-CN" altLang="en-US"/>
               <a:t>第四级</a:t>
             </a:r>
           </a:p>
           <a:p>
             <a:pPr lvl="4"/>
             <a:r>
-              <a:rPr lang="zh-CN" altLang="en-US" smtClean="0"/>
+              <a:rPr lang="zh-CN" altLang="en-US"/>
               <a:t>第五级</a:t>
             </a:r>
-            <a:endParaRPr lang="zh-CN" altLang="en-US"/>
           </a:p>
         </p:txBody>
       </p:sp>
@@ -2080,7 +2063,7 @@
           <a:p>
             <a:pPr lvl="0"/>
             <a:r>
-              <a:rPr lang="zh-CN" altLang="en-US" smtClean="0"/>
+              <a:rPr lang="zh-CN" altLang="en-US"/>
               <a:t>编辑母版文本样式</a:t>
             </a:r>
           </a:p>
@@ -2103,7 +2086,7 @@
           <a:p>
             <a:fld id="{146CC52A-1D27-4895-904E-9193509FAB99}" type="datetimeFigureOut">
               <a:rPr lang="zh-CN" altLang="en-US" smtClean="0"/>
-              <a:t>2017/3/18</a:t>
+              <a:t>2017/3/19</a:t>
             </a:fld>
             <a:endParaRPr lang="zh-CN" altLang="en-US"/>
           </a:p>
@@ -2206,10 +2189,9 @@
           </a:lstStyle>
           <a:p>
             <a:r>
-              <a:rPr lang="zh-CN" altLang="en-US" smtClean="0"/>
+              <a:rPr lang="zh-CN" altLang="en-US"/>
               <a:t>单击此处编辑母版标题样式</a:t>
             </a:r>
-            <a:endParaRPr lang="zh-CN" altLang="en-US"/>
           </a:p>
         </p:txBody>
       </p:sp>
@@ -2333,7 +2315,7 @@
           <a:p>
             <a:pPr lvl="0"/>
             <a:r>
-              <a:rPr lang="zh-CN" altLang="en-US" smtClean="0"/>
+              <a:rPr lang="zh-CN" altLang="en-US"/>
               <a:t>编辑母版文本样式</a:t>
             </a:r>
           </a:p>
@@ -2356,7 +2338,7 @@
           <a:p>
             <a:fld id="{146CC52A-1D27-4895-904E-9193509FAB99}" type="datetimeFigureOut">
               <a:rPr lang="zh-CN" altLang="en-US" smtClean="0"/>
-              <a:t>2017/3/18</a:t>
+              <a:t>2017/3/19</a:t>
             </a:fld>
             <a:endParaRPr lang="zh-CN" altLang="en-US"/>
           </a:p>
@@ -2465,10 +2447,9 @@
           <a:lstStyle/>
           <a:p>
             <a:r>
-              <a:rPr lang="zh-CN" altLang="en-US" smtClean="0"/>
+              <a:rPr lang="zh-CN" altLang="en-US"/>
               <a:t>单击此处编辑母版标题样式</a:t>
             </a:r>
-            <a:endParaRPr lang="zh-CN" altLang="en-US"/>
           </a:p>
         </p:txBody>
       </p:sp>
@@ -2499,38 +2480,37 @@
           <a:p>
             <a:pPr lvl="0"/>
             <a:r>
-              <a:rPr lang="zh-CN" altLang="en-US" smtClean="0"/>
+              <a:rPr lang="zh-CN" altLang="en-US"/>
               <a:t>编辑母版文本样式</a:t>
             </a:r>
           </a:p>
           <a:p>
             <a:pPr lvl="1"/>
             <a:r>
-              <a:rPr lang="zh-CN" altLang="en-US" smtClean="0"/>
+              <a:rPr lang="zh-CN" altLang="en-US"/>
               <a:t>第二级</a:t>
             </a:r>
           </a:p>
           <a:p>
             <a:pPr lvl="2"/>
             <a:r>
-              <a:rPr lang="zh-CN" altLang="en-US" smtClean="0"/>
+              <a:rPr lang="zh-CN" altLang="en-US"/>
               <a:t>第三级</a:t>
             </a:r>
           </a:p>
           <a:p>
             <a:pPr lvl="3"/>
             <a:r>
-              <a:rPr lang="zh-CN" altLang="en-US" smtClean="0"/>
+              <a:rPr lang="zh-CN" altLang="en-US"/>
               <a:t>第四级</a:t>
             </a:r>
           </a:p>
           <a:p>
             <a:pPr lvl="4"/>
             <a:r>
-              <a:rPr lang="zh-CN" altLang="en-US" smtClean="0"/>
+              <a:rPr lang="zh-CN" altLang="en-US"/>
               <a:t>第五级</a:t>
             </a:r>
-            <a:endParaRPr lang="zh-CN" altLang="en-US"/>
           </a:p>
         </p:txBody>
       </p:sp>
@@ -2569,7 +2549,7 @@
           <a:p>
             <a:fld id="{146CC52A-1D27-4895-904E-9193509FAB99}" type="datetimeFigureOut">
               <a:rPr lang="zh-CN" altLang="en-US" smtClean="0"/>
-              <a:t>2017/3/18</a:t>
+              <a:t>2017/3/19</a:t>
             </a:fld>
             <a:endParaRPr lang="zh-CN" altLang="en-US"/>
           </a:p>
@@ -2990,14 +2970,13 @@
           <a:lstStyle/>
           <a:p>
             <a:r>
-              <a:rPr lang="en-US" altLang="zh-CN" dirty="0" smtClean="0"/>
+              <a:rPr lang="en-US" altLang="zh-CN" dirty="0"/>
               <a:t>Ngroxy</a:t>
             </a:r>
             <a:r>
-              <a:rPr lang="zh-CN" altLang="en-US" dirty="0" smtClean="0"/>
+              <a:rPr lang="zh-CN" altLang="en-US" dirty="0"/>
               <a:t>设计</a:t>
             </a:r>
-            <a:endParaRPr lang="zh-CN" altLang="en-US" dirty="0"/>
           </a:p>
         </p:txBody>
       </p:sp>
@@ -3084,7 +3063,7 @@
           <a:lstStyle/>
           <a:p>
             <a:r>
-              <a:rPr lang="zh-CN" altLang="en-US" sz="2400" dirty="0" smtClean="0">
+              <a:rPr lang="zh-CN" altLang="en-US" sz="2400" dirty="0">
                 <a:solidFill>
                   <a:schemeClr val="accent1"/>
                 </a:solidFill>
@@ -3093,13 +3072,6 @@
               </a:rPr>
               <a:t>网络示意图</a:t>
             </a:r>
-            <a:endParaRPr lang="zh-CN" altLang="en-US" sz="2400" dirty="0">
-              <a:solidFill>
-                <a:schemeClr val="accent1"/>
-              </a:solidFill>
-              <a:latin typeface="微软雅黑" panose="020B0503020204020204" pitchFamily="34" charset="-122"/>
-              <a:ea typeface="微软雅黑" panose="020B0503020204020204" pitchFamily="34" charset="-122"/>
-            </a:endParaRPr>
           </a:p>
         </p:txBody>
       </p:sp>
@@ -3117,6 +3089,111 @@
 </file>
 
 <file path=ppt/slides/slide3.xml><?xml version="1.0" encoding="utf-8"?>
+<p:sld xmlns:a="http://schemas.openxmlformats.org/drawingml/2006/main" xmlns:r="http://schemas.openxmlformats.org/officeDocument/2006/relationships" xmlns:p="http://schemas.openxmlformats.org/presentationml/2006/main">
+  <p:cSld>
+    <p:spTree>
+      <p:nvGrpSpPr>
+        <p:cNvPr id="1" name=""/>
+        <p:cNvGrpSpPr/>
+        <p:nvPr/>
+      </p:nvGrpSpPr>
+      <p:grpSpPr>
+        <a:xfrm>
+          <a:off x="0" y="0"/>
+          <a:ext cx="0" cy="0"/>
+          <a:chOff x="0" y="0"/>
+          <a:chExt cx="0" cy="0"/>
+        </a:xfrm>
+      </p:grpSpPr>
+      <p:pic>
+        <p:nvPicPr>
+          <p:cNvPr id="5" name="图片 4"/>
+          <p:cNvPicPr>
+            <a:picLocks noChangeAspect="1"/>
+          </p:cNvPicPr>
+          <p:nvPr/>
+        </p:nvPicPr>
+        <p:blipFill>
+          <a:blip r:embed="rId2">
+            <a:extLst>
+              <a:ext uri="{28A0092B-C50C-407E-A947-70E740481C1C}">
+                <a14:useLocalDpi xmlns:a14="http://schemas.microsoft.com/office/drawing/2010/main" val="0"/>
+              </a:ext>
+            </a:extLst>
+          </a:blip>
+          <a:stretch>
+            <a:fillRect/>
+          </a:stretch>
+        </p:blipFill>
+        <p:spPr>
+          <a:xfrm>
+            <a:off x="-119191" y="317787"/>
+            <a:ext cx="11282516" cy="6858000"/>
+          </a:xfrm>
+          <a:prstGeom prst="rect">
+            <a:avLst/>
+          </a:prstGeom>
+        </p:spPr>
+      </p:pic>
+      <p:sp>
+        <p:nvSpPr>
+          <p:cNvPr id="6" name="文本框 5"/>
+          <p:cNvSpPr txBox="1"/>
+          <p:nvPr/>
+        </p:nvSpPr>
+        <p:spPr>
+          <a:xfrm>
+            <a:off x="3326860" y="317788"/>
+            <a:ext cx="3269883" cy="461665"/>
+          </a:xfrm>
+          <a:prstGeom prst="rect">
+            <a:avLst/>
+          </a:prstGeom>
+          <a:noFill/>
+        </p:spPr>
+        <p:txBody>
+          <a:bodyPr wrap="square" rtlCol="0">
+            <a:spAutoFit/>
+          </a:bodyPr>
+          <a:lstStyle/>
+          <a:p>
+            <a:r>
+              <a:rPr lang="en-US" altLang="zh-CN" sz="2400" dirty="0">
+                <a:solidFill>
+                  <a:schemeClr val="accent5"/>
+                </a:solidFill>
+                <a:latin typeface="微软雅黑" panose="020B0503020204020204" pitchFamily="34" charset="-122"/>
+                <a:ea typeface="微软雅黑" panose="020B0503020204020204" pitchFamily="34" charset="-122"/>
+              </a:rPr>
+              <a:t>Ngroxy</a:t>
+            </a:r>
+            <a:r>
+              <a:rPr lang="zh-CN" altLang="en-US" sz="2400" dirty="0">
+                <a:solidFill>
+                  <a:schemeClr val="accent5"/>
+                </a:solidFill>
+                <a:latin typeface="微软雅黑" panose="020B0503020204020204" pitchFamily="34" charset="-122"/>
+                <a:ea typeface="微软雅黑" panose="020B0503020204020204" pitchFamily="34" charset="-122"/>
+              </a:rPr>
+              <a:t>用户认证</a:t>
+            </a:r>
+          </a:p>
+        </p:txBody>
+      </p:sp>
+    </p:spTree>
+    <p:extLst>
+      <p:ext uri="{BB962C8B-B14F-4D97-AF65-F5344CB8AC3E}">
+        <p14:creationId xmlns:p14="http://schemas.microsoft.com/office/powerpoint/2010/main" val="3450481958"/>
+      </p:ext>
+    </p:extLst>
+  </p:cSld>
+  <p:clrMapOvr>
+    <a:masterClrMapping/>
+  </p:clrMapOvr>
+</p:sld>
+</file>
+
+<file path=ppt/slides/slide4.xml><?xml version="1.0" encoding="utf-8"?>
 <p:sld xmlns:a="http://schemas.openxmlformats.org/drawingml/2006/main" xmlns:r="http://schemas.openxmlformats.org/officeDocument/2006/relationships" xmlns:p="http://schemas.openxmlformats.org/presentationml/2006/main">
   <p:cSld>
     <p:spTree>
@@ -3186,18 +3263,13 @@
           <a:lstStyle/>
           <a:p>
             <a:r>
-              <a:rPr lang="zh-CN" altLang="en-US" sz="2800" dirty="0" smtClean="0">
+              <a:rPr lang="zh-CN" altLang="en-US" sz="2800" dirty="0">
                 <a:solidFill>
                   <a:schemeClr val="accent5"/>
                 </a:solidFill>
               </a:rPr>
               <a:t>虚拟局域网</a:t>
             </a:r>
-            <a:endParaRPr lang="zh-CN" altLang="en-US" sz="2800" dirty="0">
-              <a:solidFill>
-                <a:schemeClr val="accent5"/>
-              </a:solidFill>
-            </a:endParaRPr>
           </a:p>
         </p:txBody>
       </p:sp>
@@ -3205,130 +3277,6 @@
     <p:extLst>
       <p:ext uri="{BB962C8B-B14F-4D97-AF65-F5344CB8AC3E}">
         <p14:creationId xmlns:p14="http://schemas.microsoft.com/office/powerpoint/2010/main" val="1369535578"/>
-      </p:ext>
-    </p:extLst>
-  </p:cSld>
-  <p:clrMapOvr>
-    <a:masterClrMapping/>
-  </p:clrMapOvr>
-</p:sld>
-</file>
-
-<file path=ppt/slides/slide4.xml><?xml version="1.0" encoding="utf-8"?>
-<p:sld xmlns:a="http://schemas.openxmlformats.org/drawingml/2006/main" xmlns:r="http://schemas.openxmlformats.org/officeDocument/2006/relationships" xmlns:p="http://schemas.openxmlformats.org/presentationml/2006/main">
-  <p:cSld>
-    <p:spTree>
-      <p:nvGrpSpPr>
-        <p:cNvPr id="1" name=""/>
-        <p:cNvGrpSpPr/>
-        <p:nvPr/>
-      </p:nvGrpSpPr>
-      <p:grpSpPr>
-        <a:xfrm>
-          <a:off x="0" y="0"/>
-          <a:ext cx="0" cy="0"/>
-          <a:chOff x="0" y="0"/>
-          <a:chExt cx="0" cy="0"/>
-        </a:xfrm>
-      </p:grpSpPr>
-      <p:sp>
-        <p:nvSpPr>
-          <p:cNvPr id="2" name="标题 1"/>
-          <p:cNvSpPr>
-            <a:spLocks noGrp="1"/>
-          </p:cNvSpPr>
-          <p:nvPr>
-            <p:ph type="title"/>
-          </p:nvPr>
-        </p:nvSpPr>
-        <p:spPr/>
-        <p:txBody>
-          <a:bodyPr/>
-          <a:lstStyle/>
-          <a:p>
-            <a:r>
-              <a:rPr lang="zh-CN" altLang="en-US" dirty="0" smtClean="0"/>
-              <a:t>功能</a:t>
-            </a:r>
-            <a:endParaRPr lang="zh-CN" altLang="en-US" dirty="0"/>
-          </a:p>
-        </p:txBody>
-      </p:sp>
-      <p:sp>
-        <p:nvSpPr>
-          <p:cNvPr id="3" name="内容占位符 2"/>
-          <p:cNvSpPr>
-            <a:spLocks noGrp="1"/>
-          </p:cNvSpPr>
-          <p:nvPr>
-            <p:ph idx="1"/>
-          </p:nvPr>
-        </p:nvSpPr>
-        <p:spPr/>
-        <p:txBody>
-          <a:bodyPr/>
-          <a:lstStyle/>
-          <a:p>
-            <a:endParaRPr lang="en-US" altLang="zh-CN" dirty="0" smtClean="0"/>
-          </a:p>
-          <a:p>
-            <a:r>
-              <a:rPr lang="zh-CN" altLang="en-US" dirty="0" smtClean="0"/>
-              <a:t>构建虚拟局域网（将网中的机器连在同一个局域网中，可以通过</a:t>
-            </a:r>
-            <a:r>
-              <a:rPr lang="en-US" altLang="zh-CN" dirty="0" smtClean="0"/>
-              <a:t>IP</a:t>
-            </a:r>
-            <a:r>
-              <a:rPr lang="zh-CN" altLang="en-US" dirty="0" smtClean="0"/>
-              <a:t>互访，也可访问各机器所在局域网中的资源）</a:t>
-            </a:r>
-            <a:endParaRPr lang="en-US" altLang="zh-CN" dirty="0" smtClean="0"/>
-          </a:p>
-          <a:p>
-            <a:r>
-              <a:rPr lang="zh-CN" altLang="en-US" dirty="0" smtClean="0"/>
-              <a:t>支持自定义域名解析</a:t>
-            </a:r>
-            <a:endParaRPr lang="en-US" altLang="zh-CN" dirty="0" smtClean="0"/>
-          </a:p>
-          <a:p>
-            <a:r>
-              <a:rPr lang="zh-CN" altLang="en-US" dirty="0" smtClean="0"/>
-              <a:t>自动判断是否需要进入</a:t>
-            </a:r>
-            <a:r>
-              <a:rPr lang="en-US" altLang="zh-CN" dirty="0" smtClean="0"/>
-              <a:t>Ngroxy</a:t>
-            </a:r>
-            <a:r>
-              <a:rPr lang="zh-CN" altLang="en-US" dirty="0" smtClean="0"/>
-              <a:t>虚拟网络中获取资源</a:t>
-            </a:r>
-            <a:endParaRPr lang="en-US" altLang="zh-CN" dirty="0" smtClean="0"/>
-          </a:p>
-          <a:p>
-            <a:r>
-              <a:rPr lang="zh-CN" altLang="en-US" dirty="0" smtClean="0"/>
-              <a:t>自动在</a:t>
-            </a:r>
-            <a:r>
-              <a:rPr lang="en-US" altLang="zh-CN" dirty="0" smtClean="0"/>
-              <a:t>Ngroxy</a:t>
-            </a:r>
-            <a:r>
-              <a:rPr lang="zh-CN" altLang="en-US" dirty="0" smtClean="0"/>
-              <a:t>虚拟网络中寻找最短路径</a:t>
-            </a:r>
-            <a:endParaRPr lang="zh-CN" altLang="en-US" dirty="0"/>
-          </a:p>
-        </p:txBody>
-      </p:sp>
-    </p:spTree>
-    <p:extLst>
-      <p:ext uri="{BB962C8B-B14F-4D97-AF65-F5344CB8AC3E}">
-        <p14:creationId xmlns:p14="http://schemas.microsoft.com/office/powerpoint/2010/main" val="564532427"/>
       </p:ext>
     </p:extLst>
   </p:cSld>
@@ -3371,10 +3319,9 @@
           <a:lstStyle/>
           <a:p>
             <a:r>
-              <a:rPr lang="zh-CN" altLang="en-US" dirty="0" smtClean="0"/>
-              <a:t>应用场景一</a:t>
-            </a:r>
-            <a:endParaRPr lang="zh-CN" altLang="en-US" dirty="0"/>
+              <a:rPr lang="zh-CN" altLang="en-US" dirty="0"/>
+              <a:t>功能</a:t>
+            </a:r>
           </a:p>
         </p:txBody>
       </p:sp>
@@ -3393,30 +3340,65 @@
           <a:bodyPr/>
           <a:lstStyle/>
           <a:p>
-            <a:r>
-              <a:rPr lang="zh-CN" altLang="en-US" dirty="0" smtClean="0"/>
-              <a:t>使用账号密码</a:t>
-            </a:r>
+            <a:endParaRPr lang="en-US" altLang="zh-CN" dirty="0"/>
+          </a:p>
+          <a:p>
             <a:r>
               <a:rPr lang="zh-CN" altLang="en-US" dirty="0"/>
-              <a:t>登录</a:t>
-            </a:r>
-            <a:r>
-              <a:rPr lang="en-US" altLang="zh-CN" dirty="0" smtClean="0"/>
+              <a:t>构建虚拟局域网（将网中的机器连在同一个局域网中，可以通过</a:t>
+            </a:r>
+            <a:r>
+              <a:rPr lang="en-US" altLang="zh-CN" dirty="0"/>
+              <a:t>IP</a:t>
+            </a:r>
+            <a:r>
+              <a:rPr lang="zh-CN" altLang="en-US" dirty="0"/>
+              <a:t>互访，也可访问各机器所在局域网中的资源）</a:t>
+            </a:r>
+            <a:endParaRPr lang="en-US" altLang="zh-CN" dirty="0"/>
+          </a:p>
+          <a:p>
+            <a:r>
+              <a:rPr lang="zh-CN" altLang="en-US" dirty="0"/>
+              <a:t>支持自定义域名解析</a:t>
+            </a:r>
+            <a:endParaRPr lang="en-US" altLang="zh-CN" dirty="0"/>
+          </a:p>
+          <a:p>
+            <a:r>
+              <a:rPr lang="zh-CN" altLang="en-US" dirty="0"/>
+              <a:t>自动判断是否需要进入</a:t>
+            </a:r>
+            <a:r>
+              <a:rPr lang="en-US" altLang="zh-CN" dirty="0"/>
               <a:t>Ngroxy</a:t>
             </a:r>
             <a:r>
-              <a:rPr lang="zh-CN" altLang="en-US" dirty="0" smtClean="0"/>
-              <a:t>，获取好友列表，邀请好友创建虚拟局域网，设置本机允许该虚拟局域网访问的网络资源），互访虚拟局域网内的各自的资源。</a:t>
-            </a:r>
-            <a:endParaRPr lang="zh-CN" altLang="en-US" dirty="0"/>
+              <a:rPr lang="zh-CN" altLang="en-US" dirty="0"/>
+              <a:t>虚拟网络中获取资源</a:t>
+            </a:r>
+            <a:endParaRPr lang="en-US" altLang="zh-CN" dirty="0"/>
+          </a:p>
+          <a:p>
+            <a:r>
+              <a:rPr lang="zh-CN" altLang="en-US" dirty="0"/>
+              <a:t>自动在</a:t>
+            </a:r>
+            <a:r>
+              <a:rPr lang="en-US" altLang="zh-CN" dirty="0"/>
+              <a:t>Ngroxy</a:t>
+            </a:r>
+            <a:r>
+              <a:rPr lang="zh-CN" altLang="en-US" dirty="0"/>
+              <a:t>虚拟网络中寻找最短路径</a:t>
+            </a:r>
           </a:p>
         </p:txBody>
       </p:sp>
     </p:spTree>
     <p:extLst>
       <p:ext uri="{BB962C8B-B14F-4D97-AF65-F5344CB8AC3E}">
-        <p14:creationId xmlns:p14="http://schemas.microsoft.com/office/powerpoint/2010/main" val="4282180325"/>
+        <p14:creationId xmlns:p14="http://schemas.microsoft.com/office/powerpoint/2010/main" val="564532427"/>
       </p:ext>
     </p:extLst>
   </p:cSld>
@@ -3459,10 +3441,91 @@
           <a:lstStyle/>
           <a:p>
             <a:r>
-              <a:rPr lang="zh-CN" altLang="en-US" dirty="0" smtClean="0"/>
+              <a:rPr lang="zh-CN" altLang="en-US" dirty="0"/>
+              <a:t>应用场景一</a:t>
+            </a:r>
+          </a:p>
+        </p:txBody>
+      </p:sp>
+      <p:sp>
+        <p:nvSpPr>
+          <p:cNvPr id="3" name="内容占位符 2"/>
+          <p:cNvSpPr>
+            <a:spLocks noGrp="1"/>
+          </p:cNvSpPr>
+          <p:nvPr>
+            <p:ph idx="1"/>
+          </p:nvPr>
+        </p:nvSpPr>
+        <p:spPr/>
+        <p:txBody>
+          <a:bodyPr/>
+          <a:lstStyle/>
+          <a:p>
+            <a:r>
+              <a:rPr lang="zh-CN" altLang="en-US" dirty="0"/>
+              <a:t>使用账号密码登录</a:t>
+            </a:r>
+            <a:r>
+              <a:rPr lang="en-US" altLang="zh-CN" dirty="0"/>
+              <a:t>Ngroxy</a:t>
+            </a:r>
+            <a:r>
+              <a:rPr lang="zh-CN" altLang="en-US" dirty="0"/>
+              <a:t>，获取好友列表，邀请好友创建虚拟局域网，设置本机允许该虚拟局域网访问的网络资源），互访虚拟局域网内的各自的资源。</a:t>
+            </a:r>
+          </a:p>
+        </p:txBody>
+      </p:sp>
+    </p:spTree>
+    <p:extLst>
+      <p:ext uri="{BB962C8B-B14F-4D97-AF65-F5344CB8AC3E}">
+        <p14:creationId xmlns:p14="http://schemas.microsoft.com/office/powerpoint/2010/main" val="4282180325"/>
+      </p:ext>
+    </p:extLst>
+  </p:cSld>
+  <p:clrMapOvr>
+    <a:masterClrMapping/>
+  </p:clrMapOvr>
+</p:sld>
+</file>
+
+<file path=ppt/slides/slide7.xml><?xml version="1.0" encoding="utf-8"?>
+<p:sld xmlns:a="http://schemas.openxmlformats.org/drawingml/2006/main" xmlns:r="http://schemas.openxmlformats.org/officeDocument/2006/relationships" xmlns:p="http://schemas.openxmlformats.org/presentationml/2006/main">
+  <p:cSld>
+    <p:spTree>
+      <p:nvGrpSpPr>
+        <p:cNvPr id="1" name=""/>
+        <p:cNvGrpSpPr/>
+        <p:nvPr/>
+      </p:nvGrpSpPr>
+      <p:grpSpPr>
+        <a:xfrm>
+          <a:off x="0" y="0"/>
+          <a:ext cx="0" cy="0"/>
+          <a:chOff x="0" y="0"/>
+          <a:chExt cx="0" cy="0"/>
+        </a:xfrm>
+      </p:grpSpPr>
+      <p:sp>
+        <p:nvSpPr>
+          <p:cNvPr id="2" name="标题 1"/>
+          <p:cNvSpPr>
+            <a:spLocks noGrp="1"/>
+          </p:cNvSpPr>
+          <p:nvPr>
+            <p:ph type="title"/>
+          </p:nvPr>
+        </p:nvSpPr>
+        <p:spPr/>
+        <p:txBody>
+          <a:bodyPr/>
+          <a:lstStyle/>
+          <a:p>
+            <a:r>
+              <a:rPr lang="zh-CN" altLang="en-US" dirty="0"/>
               <a:t>应用场景二</a:t>
             </a:r>
-            <a:endParaRPr lang="zh-CN" altLang="en-US" dirty="0"/>
           </a:p>
         </p:txBody>
       </p:sp>
@@ -3482,34 +3545,33 @@
           <a:lstStyle/>
           <a:p>
             <a:r>
-              <a:rPr lang="zh-CN" altLang="en-US" dirty="0" smtClean="0"/>
+              <a:rPr lang="zh-CN" altLang="en-US" dirty="0"/>
               <a:t>使用安卓版</a:t>
             </a:r>
             <a:r>
-              <a:rPr lang="en-US" altLang="zh-CN" dirty="0" smtClean="0"/>
+              <a:rPr lang="en-US" altLang="zh-CN" dirty="0"/>
               <a:t>App</a:t>
             </a:r>
             <a:r>
-              <a:rPr lang="zh-CN" altLang="en-US" dirty="0" smtClean="0"/>
+              <a:rPr lang="zh-CN" altLang="en-US" dirty="0"/>
               <a:t>，登录</a:t>
             </a:r>
             <a:r>
-              <a:rPr lang="en-US" altLang="zh-CN" dirty="0" smtClean="0"/>
+              <a:rPr lang="en-US" altLang="zh-CN" dirty="0"/>
               <a:t>Ngroxy</a:t>
             </a:r>
             <a:r>
-              <a:rPr lang="zh-CN" altLang="en-US" dirty="0" smtClean="0"/>
+              <a:rPr lang="zh-CN" altLang="en-US" dirty="0"/>
               <a:t>，加入一个虚拟局域网。在外网的用户通过加入这个虚拟局域网访问，该安卓</a:t>
             </a:r>
             <a:r>
-              <a:rPr lang="en-US" altLang="zh-CN" dirty="0" smtClean="0"/>
+              <a:rPr lang="en-US" altLang="zh-CN" dirty="0"/>
               <a:t>App</a:t>
             </a:r>
             <a:r>
-              <a:rPr lang="zh-CN" altLang="en-US" dirty="0" smtClean="0"/>
+              <a:rPr lang="zh-CN" altLang="en-US" dirty="0"/>
               <a:t>所在的网络的资源，比如数据库，网站。</a:t>
             </a:r>
-            <a:endParaRPr lang="zh-CN" altLang="en-US" dirty="0"/>
           </a:p>
         </p:txBody>
       </p:sp>
